--- a/static/source_ppt/音视频.pptx
+++ b/static/source_ppt/音视频.pptx
@@ -206,7 +206,7 @@
           <a:p>
             <a:fld id="{82272D8B-C5EB-4AAF-924F-8441A87177B3}" type="datetimeFigureOut">
               <a:rPr lang="zh-CN" altLang="en-US" smtClean="0"/>
-              <a:t>2023/3/31</a:t>
+              <a:t>2023/4/2</a:t>
             </a:fld>
             <a:endParaRPr lang="zh-CN" altLang="en-US"/>
           </a:p>
@@ -704,7 +704,7 @@
           <a:p>
             <a:fld id="{7704BC7B-3B0A-403C-8E48-68B9B49F7758}" type="datetimeFigureOut">
               <a:rPr lang="zh-CN" altLang="en-US" smtClean="0"/>
-              <a:t>2023/3/31</a:t>
+              <a:t>2023/4/2</a:t>
             </a:fld>
             <a:endParaRPr lang="zh-CN" altLang="en-US"/>
           </a:p>
@@ -902,7 +902,7 @@
           <a:p>
             <a:fld id="{7704BC7B-3B0A-403C-8E48-68B9B49F7758}" type="datetimeFigureOut">
               <a:rPr lang="zh-CN" altLang="en-US" smtClean="0"/>
-              <a:t>2023/3/31</a:t>
+              <a:t>2023/4/2</a:t>
             </a:fld>
             <a:endParaRPr lang="zh-CN" altLang="en-US"/>
           </a:p>
@@ -1110,7 +1110,7 @@
           <a:p>
             <a:fld id="{7704BC7B-3B0A-403C-8E48-68B9B49F7758}" type="datetimeFigureOut">
               <a:rPr lang="zh-CN" altLang="en-US" smtClean="0"/>
-              <a:t>2023/3/31</a:t>
+              <a:t>2023/4/2</a:t>
             </a:fld>
             <a:endParaRPr lang="zh-CN" altLang="en-US"/>
           </a:p>
@@ -1308,7 +1308,7 @@
           <a:p>
             <a:fld id="{7704BC7B-3B0A-403C-8E48-68B9B49F7758}" type="datetimeFigureOut">
               <a:rPr lang="zh-CN" altLang="en-US" smtClean="0"/>
-              <a:t>2023/3/31</a:t>
+              <a:t>2023/4/2</a:t>
             </a:fld>
             <a:endParaRPr lang="zh-CN" altLang="en-US"/>
           </a:p>
@@ -1583,7 +1583,7 @@
           <a:p>
             <a:fld id="{7704BC7B-3B0A-403C-8E48-68B9B49F7758}" type="datetimeFigureOut">
               <a:rPr lang="zh-CN" altLang="en-US" smtClean="0"/>
-              <a:t>2023/3/31</a:t>
+              <a:t>2023/4/2</a:t>
             </a:fld>
             <a:endParaRPr lang="zh-CN" altLang="en-US"/>
           </a:p>
@@ -1848,7 +1848,7 @@
           <a:p>
             <a:fld id="{7704BC7B-3B0A-403C-8E48-68B9B49F7758}" type="datetimeFigureOut">
               <a:rPr lang="zh-CN" altLang="en-US" smtClean="0"/>
-              <a:t>2023/3/31</a:t>
+              <a:t>2023/4/2</a:t>
             </a:fld>
             <a:endParaRPr lang="zh-CN" altLang="en-US"/>
           </a:p>
@@ -2260,7 +2260,7 @@
           <a:p>
             <a:fld id="{7704BC7B-3B0A-403C-8E48-68B9B49F7758}" type="datetimeFigureOut">
               <a:rPr lang="zh-CN" altLang="en-US" smtClean="0"/>
-              <a:t>2023/3/31</a:t>
+              <a:t>2023/4/2</a:t>
             </a:fld>
             <a:endParaRPr lang="zh-CN" altLang="en-US"/>
           </a:p>
@@ -2401,7 +2401,7 @@
           <a:p>
             <a:fld id="{7704BC7B-3B0A-403C-8E48-68B9B49F7758}" type="datetimeFigureOut">
               <a:rPr lang="zh-CN" altLang="en-US" smtClean="0"/>
-              <a:t>2023/3/31</a:t>
+              <a:t>2023/4/2</a:t>
             </a:fld>
             <a:endParaRPr lang="zh-CN" altLang="en-US"/>
           </a:p>
@@ -2514,7 +2514,7 @@
           <a:p>
             <a:fld id="{7704BC7B-3B0A-403C-8E48-68B9B49F7758}" type="datetimeFigureOut">
               <a:rPr lang="zh-CN" altLang="en-US" smtClean="0"/>
-              <a:t>2023/3/31</a:t>
+              <a:t>2023/4/2</a:t>
             </a:fld>
             <a:endParaRPr lang="zh-CN" altLang="en-US"/>
           </a:p>
@@ -2825,7 +2825,7 @@
           <a:p>
             <a:fld id="{7704BC7B-3B0A-403C-8E48-68B9B49F7758}" type="datetimeFigureOut">
               <a:rPr lang="zh-CN" altLang="en-US" smtClean="0"/>
-              <a:t>2023/3/31</a:t>
+              <a:t>2023/4/2</a:t>
             </a:fld>
             <a:endParaRPr lang="zh-CN" altLang="en-US"/>
           </a:p>
@@ -3113,7 +3113,7 @@
           <a:p>
             <a:fld id="{7704BC7B-3B0A-403C-8E48-68B9B49F7758}" type="datetimeFigureOut">
               <a:rPr lang="zh-CN" altLang="en-US" smtClean="0"/>
-              <a:t>2023/3/31</a:t>
+              <a:t>2023/4/2</a:t>
             </a:fld>
             <a:endParaRPr lang="zh-CN" altLang="en-US"/>
           </a:p>
@@ -3354,7 +3354,7 @@
           <a:p>
             <a:fld id="{7704BC7B-3B0A-403C-8E48-68B9B49F7758}" type="datetimeFigureOut">
               <a:rPr lang="zh-CN" altLang="en-US" smtClean="0"/>
-              <a:t>2023/3/31</a:t>
+              <a:t>2023/4/2</a:t>
             </a:fld>
             <a:endParaRPr lang="zh-CN" altLang="en-US"/>
           </a:p>
@@ -3785,7 +3785,7 @@
         </p:nvSpPr>
         <p:spPr>
           <a:xfrm>
-            <a:off x="2069513" y="1035343"/>
+            <a:off x="2021386" y="3634164"/>
             <a:ext cx="767863" cy="471854"/>
           </a:xfrm>
           <a:prstGeom prst="rect">
@@ -3845,7 +3845,7 @@
         </p:nvSpPr>
         <p:spPr>
           <a:xfrm>
-            <a:off x="2837376" y="1035343"/>
+            <a:off x="2789249" y="3634164"/>
             <a:ext cx="767863" cy="471854"/>
           </a:xfrm>
           <a:prstGeom prst="rect">
@@ -3905,7 +3905,7 @@
         </p:nvSpPr>
         <p:spPr>
           <a:xfrm>
-            <a:off x="3605239" y="1035343"/>
+            <a:off x="3557112" y="3634164"/>
             <a:ext cx="767863" cy="471854"/>
           </a:xfrm>
           <a:prstGeom prst="rect">
@@ -3965,7 +3965,7 @@
         </p:nvSpPr>
         <p:spPr>
           <a:xfrm>
-            <a:off x="4373102" y="1035343"/>
+            <a:off x="4324975" y="3634164"/>
             <a:ext cx="767863" cy="471854"/>
           </a:xfrm>
           <a:prstGeom prst="rect">
@@ -4025,7 +4025,7 @@
         </p:nvSpPr>
         <p:spPr>
           <a:xfrm>
-            <a:off x="5140965" y="1035343"/>
+            <a:off x="5092838" y="3634164"/>
             <a:ext cx="767863" cy="471854"/>
           </a:xfrm>
           <a:prstGeom prst="rect">
@@ -4085,7 +4085,7 @@
         </p:nvSpPr>
         <p:spPr>
           <a:xfrm>
-            <a:off x="5908828" y="1035343"/>
+            <a:off x="5860701" y="3634164"/>
             <a:ext cx="767863" cy="471854"/>
           </a:xfrm>
           <a:prstGeom prst="rect">
@@ -4145,7 +4145,7 @@
         </p:nvSpPr>
         <p:spPr>
           <a:xfrm>
-            <a:off x="6676691" y="1035343"/>
+            <a:off x="6628564" y="3634164"/>
             <a:ext cx="767863" cy="471854"/>
           </a:xfrm>
           <a:prstGeom prst="rect">
@@ -4205,7 +4205,7 @@
         </p:nvSpPr>
         <p:spPr>
           <a:xfrm>
-            <a:off x="7444554" y="1035343"/>
+            <a:off x="7396427" y="3634164"/>
             <a:ext cx="767863" cy="471854"/>
           </a:xfrm>
           <a:prstGeom prst="rect">
@@ -4265,7 +4265,7 @@
         </p:nvSpPr>
         <p:spPr>
           <a:xfrm>
-            <a:off x="8212417" y="1035343"/>
+            <a:off x="8164290" y="3634164"/>
             <a:ext cx="767863" cy="471854"/>
           </a:xfrm>
           <a:prstGeom prst="rect">
@@ -4325,7 +4325,7 @@
         </p:nvCxnSpPr>
         <p:spPr>
           <a:xfrm flipV="1">
-            <a:off x="2069513" y="704166"/>
+            <a:off x="2021386" y="3302987"/>
             <a:ext cx="0" cy="392723"/>
           </a:xfrm>
           <a:prstGeom prst="line">
@@ -4362,7 +4362,7 @@
         </p:nvCxnSpPr>
         <p:spPr>
           <a:xfrm flipV="1">
-            <a:off x="7438701" y="704166"/>
+            <a:off x="7390574" y="3302987"/>
             <a:ext cx="0" cy="392723"/>
           </a:xfrm>
           <a:prstGeom prst="line">
@@ -4399,7 +4399,7 @@
         </p:nvSpPr>
         <p:spPr>
           <a:xfrm>
-            <a:off x="8981274" y="1035343"/>
+            <a:off x="8933147" y="3634164"/>
             <a:ext cx="767863" cy="471854"/>
           </a:xfrm>
           <a:prstGeom prst="rect">
@@ -4459,7 +4459,7 @@
         </p:nvSpPr>
         <p:spPr>
           <a:xfrm>
-            <a:off x="9749137" y="1035343"/>
+            <a:off x="9701010" y="3634164"/>
             <a:ext cx="767863" cy="471854"/>
           </a:xfrm>
           <a:prstGeom prst="rect">
@@ -4519,7 +4519,7 @@
         </p:nvCxnSpPr>
         <p:spPr>
           <a:xfrm flipV="1">
-            <a:off x="8975421" y="704166"/>
+            <a:off x="8927294" y="3302987"/>
             <a:ext cx="0" cy="392723"/>
           </a:xfrm>
           <a:prstGeom prst="line">
@@ -4556,7 +4556,7 @@
         </p:nvCxnSpPr>
         <p:spPr>
           <a:xfrm flipV="1">
-            <a:off x="10516060" y="704166"/>
+            <a:off x="10467933" y="3302987"/>
             <a:ext cx="0" cy="392723"/>
           </a:xfrm>
           <a:prstGeom prst="line">
@@ -4593,7 +4593,7 @@
         </p:nvCxnSpPr>
         <p:spPr>
           <a:xfrm>
-            <a:off x="2069513" y="868680"/>
+            <a:off x="2021386" y="3467501"/>
             <a:ext cx="5369188" cy="0"/>
           </a:xfrm>
           <a:prstGeom prst="straightConnector1">
@@ -4635,7 +4635,7 @@
         </p:nvCxnSpPr>
         <p:spPr>
           <a:xfrm>
-            <a:off x="7438701" y="868680"/>
+            <a:off x="7390574" y="3467501"/>
             <a:ext cx="1536720" cy="0"/>
           </a:xfrm>
           <a:prstGeom prst="straightConnector1">
@@ -4677,7 +4677,7 @@
         </p:nvCxnSpPr>
         <p:spPr>
           <a:xfrm>
-            <a:off x="8980777" y="868680"/>
+            <a:off x="8932650" y="3467501"/>
             <a:ext cx="1536720" cy="0"/>
           </a:xfrm>
           <a:prstGeom prst="straightConnector1">
@@ -4717,7 +4717,7 @@
         </p:nvSpPr>
         <p:spPr>
           <a:xfrm>
-            <a:off x="4661907" y="531195"/>
+            <a:off x="4613780" y="3130016"/>
             <a:ext cx="473206" cy="369332"/>
           </a:xfrm>
           <a:prstGeom prst="rect">
@@ -4756,7 +4756,7 @@
         </p:nvSpPr>
         <p:spPr>
           <a:xfrm>
-            <a:off x="7976284" y="531195"/>
+            <a:off x="7928157" y="3130016"/>
             <a:ext cx="542136" cy="369332"/>
           </a:xfrm>
           <a:prstGeom prst="rect">
@@ -4795,7 +4795,7 @@
         </p:nvSpPr>
         <p:spPr>
           <a:xfrm>
-            <a:off x="9499834" y="531195"/>
+            <a:off x="9451707" y="3130016"/>
             <a:ext cx="542136" cy="369332"/>
           </a:xfrm>
           <a:prstGeom prst="rect">
@@ -4834,7 +4834,7 @@
         </p:nvSpPr>
         <p:spPr>
           <a:xfrm>
-            <a:off x="7444554" y="2091983"/>
+            <a:off x="7396427" y="4690804"/>
             <a:ext cx="767863" cy="471854"/>
           </a:xfrm>
           <a:prstGeom prst="rect">
@@ -4897,7 +4897,7 @@
         </p:nvSpPr>
         <p:spPr>
           <a:xfrm>
-            <a:off x="8212417" y="2091983"/>
+            <a:off x="8164290" y="4690804"/>
             <a:ext cx="767863" cy="471854"/>
           </a:xfrm>
           <a:prstGeom prst="rect">
@@ -4959,7 +4959,7 @@
         </p:nvCxnSpPr>
         <p:spPr>
           <a:xfrm flipV="1">
-            <a:off x="7438701" y="1507197"/>
+            <a:off x="7390574" y="4106018"/>
             <a:ext cx="774710" cy="584786"/>
           </a:xfrm>
           <a:prstGeom prst="line">
@@ -4998,8 +4998,491 @@
         </p:nvCxnSpPr>
         <p:spPr>
           <a:xfrm flipV="1">
-            <a:off x="8970755" y="1507197"/>
+            <a:off x="8922628" y="4106018"/>
             <a:ext cx="3672" cy="584786"/>
+          </a:xfrm>
+          <a:prstGeom prst="line">
+            <a:avLst/>
+          </a:prstGeom>
+          <a:ln w="28575"/>
+        </p:spPr>
+        <p:style>
+          <a:lnRef idx="3">
+            <a:schemeClr val="accent1"/>
+          </a:lnRef>
+          <a:fillRef idx="0">
+            <a:schemeClr val="accent1"/>
+          </a:fillRef>
+          <a:effectRef idx="2">
+            <a:schemeClr val="accent1"/>
+          </a:effectRef>
+          <a:fontRef idx="minor">
+            <a:schemeClr val="tx1"/>
+          </a:fontRef>
+        </p:style>
+      </p:cxnSp>
+      <p:sp>
+        <p:nvSpPr>
+          <p:cNvPr id="4" name="矩形 3">
+            <a:extLst>
+              <a:ext uri="{FF2B5EF4-FFF2-40B4-BE49-F238E27FC236}">
+                <a16:creationId xmlns:a16="http://schemas.microsoft.com/office/drawing/2014/main" id="{8CD5244F-7BD5-6991-E3CF-12AD4967E13C}"/>
+              </a:ext>
+            </a:extLst>
+          </p:cNvPr>
+          <p:cNvSpPr/>
+          <p:nvPr/>
+        </p:nvSpPr>
+        <p:spPr>
+          <a:xfrm>
+            <a:off x="2367218" y="2217081"/>
+            <a:ext cx="2468551" cy="471854"/>
+          </a:xfrm>
+          <a:prstGeom prst="rect">
+            <a:avLst/>
+          </a:prstGeom>
+          <a:noFill/>
+          <a:ln w="28575"/>
+        </p:spPr>
+        <p:style>
+          <a:lnRef idx="2">
+            <a:schemeClr val="accent1">
+              <a:shade val="50000"/>
+            </a:schemeClr>
+          </a:lnRef>
+          <a:fillRef idx="1">
+            <a:schemeClr val="accent1"/>
+          </a:fillRef>
+          <a:effectRef idx="0">
+            <a:schemeClr val="accent1"/>
+          </a:effectRef>
+          <a:fontRef idx="minor">
+            <a:schemeClr val="lt1"/>
+          </a:fontRef>
+        </p:style>
+        <p:txBody>
+          <a:bodyPr rtlCol="0" anchor="ctr"/>
+          <a:lstStyle/>
+          <a:p>
+            <a:pPr algn="ctr"/>
+            <a:r>
+              <a:rPr lang="en-US" altLang="zh-CN" b="1" dirty="0">
+                <a:solidFill>
+                  <a:schemeClr val="tx1"/>
+                </a:solidFill>
+              </a:rPr>
+              <a:t>PS</a:t>
+            </a:r>
+            <a:r>
+              <a:rPr lang="zh-CN" altLang="en-US" b="1" dirty="0">
+                <a:solidFill>
+                  <a:schemeClr val="tx1"/>
+                </a:solidFill>
+              </a:rPr>
+              <a:t>包</a:t>
+            </a:r>
+          </a:p>
+        </p:txBody>
+      </p:sp>
+      <p:sp>
+        <p:nvSpPr>
+          <p:cNvPr id="5" name="矩形 4">
+            <a:extLst>
+              <a:ext uri="{FF2B5EF4-FFF2-40B4-BE49-F238E27FC236}">
+                <a16:creationId xmlns:a16="http://schemas.microsoft.com/office/drawing/2014/main" id="{B3F929C8-6378-4F3C-975C-54F8F8E9493E}"/>
+              </a:ext>
+            </a:extLst>
+          </p:cNvPr>
+          <p:cNvSpPr/>
+          <p:nvPr/>
+        </p:nvSpPr>
+        <p:spPr>
+          <a:xfrm>
+            <a:off x="4835769" y="2217081"/>
+            <a:ext cx="2468551" cy="471854"/>
+          </a:xfrm>
+          <a:prstGeom prst="rect">
+            <a:avLst/>
+          </a:prstGeom>
+          <a:noFill/>
+          <a:ln w="28575"/>
+        </p:spPr>
+        <p:style>
+          <a:lnRef idx="2">
+            <a:schemeClr val="accent1">
+              <a:shade val="50000"/>
+            </a:schemeClr>
+          </a:lnRef>
+          <a:fillRef idx="1">
+            <a:schemeClr val="accent1"/>
+          </a:fillRef>
+          <a:effectRef idx="0">
+            <a:schemeClr val="accent1"/>
+          </a:effectRef>
+          <a:fontRef idx="minor">
+            <a:schemeClr val="lt1"/>
+          </a:fontRef>
+        </p:style>
+        <p:txBody>
+          <a:bodyPr rtlCol="0" anchor="ctr"/>
+          <a:lstStyle/>
+          <a:p>
+            <a:pPr algn="ctr"/>
+            <a:r>
+              <a:rPr lang="en-US" altLang="zh-CN" b="1" dirty="0">
+                <a:solidFill>
+                  <a:schemeClr val="tx1"/>
+                </a:solidFill>
+              </a:rPr>
+              <a:t>……</a:t>
+            </a:r>
+            <a:endParaRPr lang="zh-CN" altLang="en-US" b="1" dirty="0">
+              <a:solidFill>
+                <a:schemeClr val="tx1"/>
+              </a:solidFill>
+            </a:endParaRPr>
+          </a:p>
+        </p:txBody>
+      </p:sp>
+      <p:sp>
+        <p:nvSpPr>
+          <p:cNvPr id="6" name="矩形 5">
+            <a:extLst>
+              <a:ext uri="{FF2B5EF4-FFF2-40B4-BE49-F238E27FC236}">
+                <a16:creationId xmlns:a16="http://schemas.microsoft.com/office/drawing/2014/main" id="{E58F817D-40F8-254F-2B6E-6D6111DBDA9A}"/>
+              </a:ext>
+            </a:extLst>
+          </p:cNvPr>
+          <p:cNvSpPr/>
+          <p:nvPr/>
+        </p:nvSpPr>
+        <p:spPr>
+          <a:xfrm>
+            <a:off x="7304320" y="2217081"/>
+            <a:ext cx="2468551" cy="471854"/>
+          </a:xfrm>
+          <a:prstGeom prst="rect">
+            <a:avLst/>
+          </a:prstGeom>
+          <a:noFill/>
+          <a:ln w="28575"/>
+        </p:spPr>
+        <p:style>
+          <a:lnRef idx="2">
+            <a:schemeClr val="accent1">
+              <a:shade val="50000"/>
+            </a:schemeClr>
+          </a:lnRef>
+          <a:fillRef idx="1">
+            <a:schemeClr val="accent1"/>
+          </a:fillRef>
+          <a:effectRef idx="0">
+            <a:schemeClr val="accent1"/>
+          </a:effectRef>
+          <a:fontRef idx="minor">
+            <a:schemeClr val="lt1"/>
+          </a:fontRef>
+        </p:style>
+        <p:txBody>
+          <a:bodyPr rtlCol="0" anchor="ctr"/>
+          <a:lstStyle/>
+          <a:p>
+            <a:pPr algn="ctr"/>
+            <a:r>
+              <a:rPr lang="en-US" altLang="zh-CN" b="1" dirty="0">
+                <a:solidFill>
+                  <a:schemeClr val="tx1"/>
+                </a:solidFill>
+              </a:rPr>
+              <a:t>PS</a:t>
+            </a:r>
+            <a:r>
+              <a:rPr lang="zh-CN" altLang="en-US" b="1" dirty="0">
+                <a:solidFill>
+                  <a:schemeClr val="tx1"/>
+                </a:solidFill>
+              </a:rPr>
+              <a:t>包</a:t>
+            </a:r>
+          </a:p>
+        </p:txBody>
+      </p:sp>
+      <p:sp>
+        <p:nvSpPr>
+          <p:cNvPr id="23" name="矩形 22">
+            <a:extLst>
+              <a:ext uri="{FF2B5EF4-FFF2-40B4-BE49-F238E27FC236}">
+                <a16:creationId xmlns:a16="http://schemas.microsoft.com/office/drawing/2014/main" id="{AD622723-31C5-DF5B-5D71-62FB22BBD23E}"/>
+              </a:ext>
+            </a:extLst>
+          </p:cNvPr>
+          <p:cNvSpPr/>
+          <p:nvPr/>
+        </p:nvSpPr>
+        <p:spPr>
+          <a:xfrm>
+            <a:off x="4242493" y="1062358"/>
+            <a:ext cx="3148081" cy="471854"/>
+          </a:xfrm>
+          <a:prstGeom prst="rect">
+            <a:avLst/>
+          </a:prstGeom>
+          <a:noFill/>
+          <a:ln w="28575"/>
+        </p:spPr>
+        <p:style>
+          <a:lnRef idx="2">
+            <a:schemeClr val="accent1">
+              <a:shade val="50000"/>
+            </a:schemeClr>
+          </a:lnRef>
+          <a:fillRef idx="1">
+            <a:schemeClr val="accent1"/>
+          </a:fillRef>
+          <a:effectRef idx="0">
+            <a:schemeClr val="accent1"/>
+          </a:effectRef>
+          <a:fontRef idx="minor">
+            <a:schemeClr val="lt1"/>
+          </a:fontRef>
+        </p:style>
+        <p:txBody>
+          <a:bodyPr rtlCol="0" anchor="ctr"/>
+          <a:lstStyle/>
+          <a:p>
+            <a:pPr algn="ctr"/>
+            <a:r>
+              <a:rPr lang="en-US" altLang="zh-CN" b="1" dirty="0">
+                <a:solidFill>
+                  <a:schemeClr val="tx1"/>
+                </a:solidFill>
+              </a:rPr>
+              <a:t>PS</a:t>
+            </a:r>
+            <a:r>
+              <a:rPr lang="zh-CN" altLang="en-US" b="1" dirty="0">
+                <a:solidFill>
+                  <a:schemeClr val="tx1"/>
+                </a:solidFill>
+              </a:rPr>
+              <a:t>流</a:t>
+            </a:r>
+          </a:p>
+        </p:txBody>
+      </p:sp>
+      <p:cxnSp>
+        <p:nvCxnSpPr>
+          <p:cNvPr id="35" name="直接连接符 34">
+            <a:extLst>
+              <a:ext uri="{FF2B5EF4-FFF2-40B4-BE49-F238E27FC236}">
+                <a16:creationId xmlns:a16="http://schemas.microsoft.com/office/drawing/2014/main" id="{BBBD21AE-9D39-D2E6-4D98-B039F6C96DCA}"/>
+              </a:ext>
+            </a:extLst>
+          </p:cNvPr>
+          <p:cNvCxnSpPr>
+            <a:cxnSpLocks/>
+          </p:cNvCxnSpPr>
+          <p:nvPr/>
+        </p:nvCxnSpPr>
+        <p:spPr>
+          <a:xfrm flipV="1">
+            <a:off x="2367218" y="1534212"/>
+            <a:ext cx="1875275" cy="682869"/>
+          </a:xfrm>
+          <a:prstGeom prst="line">
+            <a:avLst/>
+          </a:prstGeom>
+          <a:ln w="28575"/>
+        </p:spPr>
+        <p:style>
+          <a:lnRef idx="3">
+            <a:schemeClr val="accent1"/>
+          </a:lnRef>
+          <a:fillRef idx="0">
+            <a:schemeClr val="accent1"/>
+          </a:fillRef>
+          <a:effectRef idx="2">
+            <a:schemeClr val="accent1"/>
+          </a:effectRef>
+          <a:fontRef idx="minor">
+            <a:schemeClr val="tx1"/>
+          </a:fontRef>
+        </p:style>
+      </p:cxnSp>
+      <p:cxnSp>
+        <p:nvCxnSpPr>
+          <p:cNvPr id="39" name="直接连接符 38">
+            <a:extLst>
+              <a:ext uri="{FF2B5EF4-FFF2-40B4-BE49-F238E27FC236}">
+                <a16:creationId xmlns:a16="http://schemas.microsoft.com/office/drawing/2014/main" id="{2EA7A819-4093-2624-B7FF-EE239302090C}"/>
+              </a:ext>
+            </a:extLst>
+          </p:cNvPr>
+          <p:cNvCxnSpPr>
+            <a:cxnSpLocks/>
+          </p:cNvCxnSpPr>
+          <p:nvPr/>
+        </p:nvCxnSpPr>
+        <p:spPr>
+          <a:xfrm flipH="1" flipV="1">
+            <a:off x="7390574" y="1534212"/>
+            <a:ext cx="2382297" cy="682869"/>
+          </a:xfrm>
+          <a:prstGeom prst="line">
+            <a:avLst/>
+          </a:prstGeom>
+          <a:ln w="28575"/>
+        </p:spPr>
+        <p:style>
+          <a:lnRef idx="3">
+            <a:schemeClr val="accent1"/>
+          </a:lnRef>
+          <a:fillRef idx="0">
+            <a:schemeClr val="accent1"/>
+          </a:fillRef>
+          <a:effectRef idx="2">
+            <a:schemeClr val="accent1"/>
+          </a:effectRef>
+          <a:fontRef idx="minor">
+            <a:schemeClr val="tx1"/>
+          </a:fontRef>
+        </p:style>
+      </p:cxnSp>
+      <p:cxnSp>
+        <p:nvCxnSpPr>
+          <p:cNvPr id="43" name="直接连接符 42">
+            <a:extLst>
+              <a:ext uri="{FF2B5EF4-FFF2-40B4-BE49-F238E27FC236}">
+                <a16:creationId xmlns:a16="http://schemas.microsoft.com/office/drawing/2014/main" id="{167059BE-9DAC-F5F6-6ED3-1124D1FBF497}"/>
+              </a:ext>
+            </a:extLst>
+          </p:cNvPr>
+          <p:cNvCxnSpPr>
+            <a:cxnSpLocks/>
+          </p:cNvCxnSpPr>
+          <p:nvPr/>
+        </p:nvCxnSpPr>
+        <p:spPr>
+          <a:xfrm flipV="1">
+            <a:off x="2017792" y="2688935"/>
+            <a:ext cx="343574" cy="943081"/>
+          </a:xfrm>
+          <a:prstGeom prst="line">
+            <a:avLst/>
+          </a:prstGeom>
+          <a:ln w="28575"/>
+        </p:spPr>
+        <p:style>
+          <a:lnRef idx="3">
+            <a:schemeClr val="accent1"/>
+          </a:lnRef>
+          <a:fillRef idx="0">
+            <a:schemeClr val="accent1"/>
+          </a:fillRef>
+          <a:effectRef idx="2">
+            <a:schemeClr val="accent1"/>
+          </a:effectRef>
+          <a:fontRef idx="minor">
+            <a:schemeClr val="tx1"/>
+          </a:fontRef>
+        </p:style>
+      </p:cxnSp>
+      <p:cxnSp>
+        <p:nvCxnSpPr>
+          <p:cNvPr id="46" name="直接连接符 45">
+            <a:extLst>
+              <a:ext uri="{FF2B5EF4-FFF2-40B4-BE49-F238E27FC236}">
+                <a16:creationId xmlns:a16="http://schemas.microsoft.com/office/drawing/2014/main" id="{C4E6E482-D476-6815-BAA6-735DC21F4B60}"/>
+              </a:ext>
+            </a:extLst>
+          </p:cNvPr>
+          <p:cNvCxnSpPr>
+            <a:cxnSpLocks/>
+          </p:cNvCxnSpPr>
+          <p:nvPr/>
+        </p:nvCxnSpPr>
+        <p:spPr>
+          <a:xfrm flipH="1" flipV="1">
+            <a:off x="4829917" y="2686787"/>
+            <a:ext cx="2554805" cy="945229"/>
+          </a:xfrm>
+          <a:prstGeom prst="line">
+            <a:avLst/>
+          </a:prstGeom>
+          <a:ln w="28575"/>
+        </p:spPr>
+        <p:style>
+          <a:lnRef idx="3">
+            <a:schemeClr val="accent1"/>
+          </a:lnRef>
+          <a:fillRef idx="0">
+            <a:schemeClr val="accent1"/>
+          </a:fillRef>
+          <a:effectRef idx="2">
+            <a:schemeClr val="accent1"/>
+          </a:effectRef>
+          <a:fontRef idx="minor">
+            <a:schemeClr val="tx1"/>
+          </a:fontRef>
+        </p:style>
+      </p:cxnSp>
+      <p:cxnSp>
+        <p:nvCxnSpPr>
+          <p:cNvPr id="50" name="直接连接符 49">
+            <a:extLst>
+              <a:ext uri="{FF2B5EF4-FFF2-40B4-BE49-F238E27FC236}">
+                <a16:creationId xmlns:a16="http://schemas.microsoft.com/office/drawing/2014/main" id="{29473F16-C1EA-DFF0-25D0-BB4713FE80A2}"/>
+              </a:ext>
+            </a:extLst>
+          </p:cNvPr>
+          <p:cNvCxnSpPr>
+            <a:cxnSpLocks/>
+          </p:cNvCxnSpPr>
+          <p:nvPr/>
+        </p:nvCxnSpPr>
+        <p:spPr>
+          <a:xfrm flipH="1" flipV="1">
+            <a:off x="9772871" y="2686787"/>
+            <a:ext cx="693626" cy="945229"/>
+          </a:xfrm>
+          <a:prstGeom prst="line">
+            <a:avLst/>
+          </a:prstGeom>
+          <a:ln w="28575"/>
+        </p:spPr>
+        <p:style>
+          <a:lnRef idx="3">
+            <a:schemeClr val="accent1"/>
+          </a:lnRef>
+          <a:fillRef idx="0">
+            <a:schemeClr val="accent1"/>
+          </a:fillRef>
+          <a:effectRef idx="2">
+            <a:schemeClr val="accent1"/>
+          </a:effectRef>
+          <a:fontRef idx="minor">
+            <a:schemeClr val="tx1"/>
+          </a:fontRef>
+        </p:style>
+      </p:cxnSp>
+      <p:cxnSp>
+        <p:nvCxnSpPr>
+          <p:cNvPr id="53" name="直接连接符 52">
+            <a:extLst>
+              <a:ext uri="{FF2B5EF4-FFF2-40B4-BE49-F238E27FC236}">
+                <a16:creationId xmlns:a16="http://schemas.microsoft.com/office/drawing/2014/main" id="{AA338C74-99EA-D35E-5971-DDF31E72CE82}"/>
+              </a:ext>
+            </a:extLst>
+          </p:cNvPr>
+          <p:cNvCxnSpPr>
+            <a:cxnSpLocks/>
+          </p:cNvCxnSpPr>
+          <p:nvPr/>
+        </p:nvCxnSpPr>
+        <p:spPr>
+          <a:xfrm flipH="1" flipV="1">
+            <a:off x="7300115" y="2691083"/>
+            <a:ext cx="1628174" cy="940933"/>
           </a:xfrm>
           <a:prstGeom prst="line">
             <a:avLst/>
